--- a/docs/songs_2022-10-16.pptx
+++ b/docs/songs_2022-10-16.pptx
@@ -5380,7 +5380,7 @@
                   <a:schemeClr val="bg1"/>
                 </a:solidFill>
               </a:rPr>
-              <a:t>The King of Glory the King of Glory</a:t>
+              <a:t>The King of Glory the King above all Kings</a:t>
             </a:r>
           </a:p>
         </p:txBody>
@@ -6423,7 +6423,7 @@
                   <a:schemeClr val="bg1"/>
                 </a:solidFill>
               </a:rPr>
-              <a:t>When I feel the rain I feel the same</a:t>
+              <a:t>When I feel the rain I feel just the same</a:t>
             </a:r>
           </a:p>
           <a:p>

--- a/docs/songs_2022-10-16.pptx
+++ b/docs/songs_2022-10-16.pptx
@@ -8,7 +8,7 @@
     <p:notesMasterId r:id="rId29"/>
   </p:notesMasterIdLst>
   <p:sldIdLst>
-    <p:sldId id="459" r:id="rId2"/>
+    <p:sldId id="727" r:id="rId2"/>
     <p:sldId id="608" r:id="rId3"/>
     <p:sldId id="483" r:id="rId4"/>
     <p:sldId id="484" r:id="rId5"/>
@@ -234,7 +234,7 @@
           <a:p>
             <a:fld id="{C57EAEFC-A9C7-464E-BE3F-33D4DD72E122}" type="datetimeFigureOut">
               <a:rPr lang="en-GB" smtClean="0"/>
-              <a:t>11/10/2022</a:t>
+              <a:t>14/10/2022</a:t>
             </a:fld>
             <a:endParaRPr lang="en-GB"/>
           </a:p>
@@ -684,7 +684,7 @@
             <a:fld id="{26EA1CF3-4A15-4CBF-9A5A-6A56C368BE71}" type="datetimeFigureOut">
               <a:rPr lang="en-GB" smtClean="0"/>
               <a:pPr/>
-              <a:t>11/10/2022</a:t>
+              <a:t>14/10/2022</a:t>
             </a:fld>
             <a:endParaRPr lang="en-GB"/>
           </a:p>
@@ -851,7 +851,7 @@
             <a:fld id="{26EA1CF3-4A15-4CBF-9A5A-6A56C368BE71}" type="datetimeFigureOut">
               <a:rPr lang="en-GB" smtClean="0"/>
               <a:pPr/>
-              <a:t>11/10/2022</a:t>
+              <a:t>14/10/2022</a:t>
             </a:fld>
             <a:endParaRPr lang="en-GB"/>
           </a:p>
@@ -1028,7 +1028,7 @@
             <a:fld id="{26EA1CF3-4A15-4CBF-9A5A-6A56C368BE71}" type="datetimeFigureOut">
               <a:rPr lang="en-GB" smtClean="0"/>
               <a:pPr/>
-              <a:t>11/10/2022</a:t>
+              <a:t>14/10/2022</a:t>
             </a:fld>
             <a:endParaRPr lang="en-GB"/>
           </a:p>
@@ -1195,7 +1195,7 @@
             <a:fld id="{26EA1CF3-4A15-4CBF-9A5A-6A56C368BE71}" type="datetimeFigureOut">
               <a:rPr lang="en-GB" smtClean="0"/>
               <a:pPr/>
-              <a:t>11/10/2022</a:t>
+              <a:t>14/10/2022</a:t>
             </a:fld>
             <a:endParaRPr lang="en-GB"/>
           </a:p>
@@ -1438,7 +1438,7 @@
             <a:fld id="{26EA1CF3-4A15-4CBF-9A5A-6A56C368BE71}" type="datetimeFigureOut">
               <a:rPr lang="en-GB" smtClean="0"/>
               <a:pPr/>
-              <a:t>11/10/2022</a:t>
+              <a:t>14/10/2022</a:t>
             </a:fld>
             <a:endParaRPr lang="en-GB"/>
           </a:p>
@@ -1723,7 +1723,7 @@
             <a:fld id="{26EA1CF3-4A15-4CBF-9A5A-6A56C368BE71}" type="datetimeFigureOut">
               <a:rPr lang="en-GB" smtClean="0"/>
               <a:pPr/>
-              <a:t>11/10/2022</a:t>
+              <a:t>14/10/2022</a:t>
             </a:fld>
             <a:endParaRPr lang="en-GB"/>
           </a:p>
@@ -2142,7 +2142,7 @@
             <a:fld id="{26EA1CF3-4A15-4CBF-9A5A-6A56C368BE71}" type="datetimeFigureOut">
               <a:rPr lang="en-GB" smtClean="0"/>
               <a:pPr/>
-              <a:t>11/10/2022</a:t>
+              <a:t>14/10/2022</a:t>
             </a:fld>
             <a:endParaRPr lang="en-GB"/>
           </a:p>
@@ -2257,7 +2257,7 @@
             <a:fld id="{26EA1CF3-4A15-4CBF-9A5A-6A56C368BE71}" type="datetimeFigureOut">
               <a:rPr lang="en-GB" smtClean="0"/>
               <a:pPr/>
-              <a:t>11/10/2022</a:t>
+              <a:t>14/10/2022</a:t>
             </a:fld>
             <a:endParaRPr lang="en-GB"/>
           </a:p>
@@ -2349,7 +2349,7 @@
             <a:fld id="{26EA1CF3-4A15-4CBF-9A5A-6A56C368BE71}" type="datetimeFigureOut">
               <a:rPr lang="en-GB" smtClean="0"/>
               <a:pPr/>
-              <a:t>11/10/2022</a:t>
+              <a:t>14/10/2022</a:t>
             </a:fld>
             <a:endParaRPr lang="en-GB"/>
           </a:p>
@@ -2623,7 +2623,7 @@
             <a:fld id="{26EA1CF3-4A15-4CBF-9A5A-6A56C368BE71}" type="datetimeFigureOut">
               <a:rPr lang="en-GB" smtClean="0"/>
               <a:pPr/>
-              <a:t>11/10/2022</a:t>
+              <a:t>14/10/2022</a:t>
             </a:fld>
             <a:endParaRPr lang="en-GB"/>
           </a:p>
@@ -2873,7 +2873,7 @@
             <a:fld id="{26EA1CF3-4A15-4CBF-9A5A-6A56C368BE71}" type="datetimeFigureOut">
               <a:rPr lang="en-GB" smtClean="0"/>
               <a:pPr/>
-              <a:t>11/10/2022</a:t>
+              <a:t>14/10/2022</a:t>
             </a:fld>
             <a:endParaRPr lang="en-GB"/>
           </a:p>
@@ -3086,7 +3086,7 @@
             <a:fld id="{26EA1CF3-4A15-4CBF-9A5A-6A56C368BE71}" type="datetimeFigureOut">
               <a:rPr lang="en-GB" smtClean="0"/>
               <a:pPr/>
-              <a:t>11/10/2022</a:t>
+              <a:t>14/10/2022</a:t>
             </a:fld>
             <a:endParaRPr lang="en-GB"/>
           </a:p>
@@ -3443,6 +3443,14 @@
 <file path=ppt/slides/slide1.xml><?xml version="1.0" encoding="utf-8"?>
 <p:sld xmlns:a="http://schemas.openxmlformats.org/drawingml/2006/main" xmlns:r="http://schemas.openxmlformats.org/officeDocument/2006/relationships" xmlns:p="http://schemas.openxmlformats.org/presentationml/2006/main">
   <p:cSld>
+    <p:bg>
+      <p:bgPr>
+        <a:solidFill>
+          <a:schemeClr val="bg1"/>
+        </a:solidFill>
+        <a:effectLst/>
+      </p:bgPr>
+    </p:bg>
     <p:spTree>
       <p:nvGrpSpPr>
         <p:cNvPr id="1" name=""/>
@@ -3457,112 +3465,620 @@
           <a:chExt cx="0" cy="0"/>
         </a:xfrm>
       </p:grpSpPr>
-      <p:sp>
-        <p:nvSpPr>
-          <p:cNvPr id="3" name="Content Placeholder 2">
+      <p:pic>
+        <p:nvPicPr>
+          <p:cNvPr id="4" name="Picture 3" descr="Logo&#10;&#10;Description automatically generated">
             <a:extLst>
               <a:ext uri="{FF2B5EF4-FFF2-40B4-BE49-F238E27FC236}">
-                <a16:creationId xmlns:a16="http://schemas.microsoft.com/office/drawing/2014/main" id="{184C73C4-F008-4FD5-AAEC-EF911DED463B}"/>
+                <a16:creationId xmlns:a16="http://schemas.microsoft.com/office/drawing/2014/main" id="{72209A58-59CD-EDB2-E918-E614099EEE0E}"/>
               </a:ext>
             </a:extLst>
           </p:cNvPr>
-          <p:cNvSpPr>
-            <a:spLocks noGrp="1"/>
-          </p:cNvSpPr>
-          <p:nvPr>
-            <p:ph idx="1"/>
-          </p:nvPr>
-        </p:nvSpPr>
+          <p:cNvPicPr>
+            <a:picLocks noChangeAspect="1"/>
+          </p:cNvPicPr>
+          <p:nvPr/>
+        </p:nvPicPr>
+        <p:blipFill rotWithShape="1">
+          <a:blip r:embed="rId2"/>
+          <a:srcRect b="1883"/>
+          <a:stretch/>
+        </p:blipFill>
         <p:spPr>
           <a:xfrm>
-            <a:off x="395536" y="764704"/>
-            <a:ext cx="8229600" cy="4525963"/>
+            <a:off x="6053" y="-21565"/>
+            <a:ext cx="6954671" cy="6857990"/>
           </a:xfrm>
+          <a:custGeom>
+            <a:avLst/>
+            <a:gdLst/>
+            <a:ahLst/>
+            <a:cxnLst/>
+            <a:rect l="l" t="t" r="r" b="b"/>
+            <a:pathLst>
+              <a:path w="9272922" h="6858000">
+                <a:moveTo>
+                  <a:pt x="0" y="0"/>
+                </a:moveTo>
+                <a:lnTo>
+                  <a:pt x="1733417" y="0"/>
+                </a:lnTo>
+                <a:lnTo>
+                  <a:pt x="3307976" y="0"/>
+                </a:lnTo>
+                <a:lnTo>
+                  <a:pt x="8126249" y="0"/>
+                </a:lnTo>
+                <a:lnTo>
+                  <a:pt x="8138896" y="31774"/>
+                </a:lnTo>
+                <a:cubicBezTo>
+                  <a:pt x="9193904" y="2682457"/>
+                  <a:pt x="9193904" y="2682457"/>
+                  <a:pt x="9193904" y="2682457"/>
+                </a:cubicBezTo>
+                <a:cubicBezTo>
+                  <a:pt x="9299262" y="2988100"/>
+                  <a:pt x="9299262" y="3446565"/>
+                  <a:pt x="9193904" y="3752208"/>
+                </a:cubicBezTo>
+                <a:cubicBezTo>
+                  <a:pt x="8709916" y="4968215"/>
+                  <a:pt x="8331802" y="5918220"/>
+                  <a:pt x="8036400" y="6660411"/>
+                </a:cubicBezTo>
+                <a:lnTo>
+                  <a:pt x="7957938" y="6857542"/>
+                </a:lnTo>
+                <a:lnTo>
+                  <a:pt x="3307976" y="6857542"/>
+                </a:lnTo>
+                <a:lnTo>
+                  <a:pt x="3307976" y="6858000"/>
+                </a:lnTo>
+                <a:lnTo>
+                  <a:pt x="0" y="6858000"/>
+                </a:lnTo>
+                <a:close/>
+              </a:path>
+            </a:pathLst>
+          </a:custGeom>
         </p:spPr>
-        <p:txBody>
-          <a:bodyPr>
-            <a:normAutofit fontScale="92500"/>
+      </p:pic>
+      <p:sp>
+        <p:nvSpPr>
+          <p:cNvPr id="5" name="Rectangle 4">
+            <a:extLst>
+              <a:ext uri="{FF2B5EF4-FFF2-40B4-BE49-F238E27FC236}">
+                <a16:creationId xmlns:a16="http://schemas.microsoft.com/office/drawing/2014/main" id="{1E66FA7B-EFFC-743C-A00B-2935723DD35E}"/>
+              </a:ext>
+            </a:extLst>
+          </p:cNvPr>
+          <p:cNvSpPr/>
+          <p:nvPr/>
+        </p:nvSpPr>
+        <p:spPr>
+          <a:xfrm>
+            <a:off x="6550555" y="860519"/>
+            <a:ext cx="2533129" cy="1200329"/>
+          </a:xfrm>
+          <a:prstGeom prst="rect">
+            <a:avLst/>
+          </a:prstGeom>
+          <a:noFill/>
+        </p:spPr>
+        <p:txBody>
+          <a:bodyPr wrap="none" lIns="91440" tIns="45720" rIns="91440" bIns="45720">
+            <a:spAutoFit/>
           </a:bodyPr>
           <a:lstStyle/>
           <a:p>
-            <a:pPr marL="0" indent="0" algn="ctr">
-              <a:buNone/>
-            </a:pPr>
-            <a:r>
-              <a:rPr lang="en-GB" sz="6000" dirty="0">
-                <a:solidFill>
-                  <a:schemeClr val="bg1"/>
-                </a:solidFill>
-              </a:rPr>
-              <a:t>Cornerstone City Church</a:t>
+            <a:pPr algn="ctr"/>
+            <a:r>
+              <a:rPr lang="en-US" b="0" cap="none" spc="0" dirty="0">
+                <a:ln w="0"/>
+                <a:solidFill>
+                  <a:schemeClr val="tx1"/>
+                </a:solidFill>
+                <a:effectLst>
+                  <a:outerShdw blurRad="38100" dist="19050" dir="2700000" algn="tl" rotWithShape="0">
+                    <a:schemeClr val="dk1">
+                      <a:alpha val="40000"/>
+                    </a:schemeClr>
+                  </a:outerShdw>
+                </a:effectLst>
+              </a:rPr>
+              <a:t>Join us this Sunday as we</a:t>
             </a:r>
             <a:br>
-              <a:rPr lang="en-GB" sz="6000" dirty="0">
-                <a:solidFill>
-                  <a:schemeClr val="bg1"/>
-                </a:solidFill>
+              <a:rPr lang="en-US" b="0" cap="none" spc="0" dirty="0">
+                <a:ln w="0"/>
+                <a:solidFill>
+                  <a:schemeClr val="tx1"/>
+                </a:solidFill>
+                <a:effectLst>
+                  <a:outerShdw blurRad="38100" dist="19050" dir="2700000" algn="tl" rotWithShape="0">
+                    <a:schemeClr val="dk1">
+                      <a:alpha val="40000"/>
+                    </a:schemeClr>
+                  </a:outerShdw>
+                </a:effectLst>
               </a:rPr>
             </a:br>
             <a:r>
-              <a:rPr lang="en-GB" sz="6000" dirty="0">
-                <a:solidFill>
-                  <a:schemeClr val="bg1"/>
-                </a:solidFill>
-              </a:rPr>
-              <a:t>Peninsula Plus Community</a:t>
+              <a:rPr lang="en-US" b="0" cap="none" spc="0" dirty="0">
+                <a:ln w="0"/>
+                <a:solidFill>
+                  <a:schemeClr val="tx1"/>
+                </a:solidFill>
+                <a:effectLst>
+                  <a:outerShdw blurRad="38100" dist="19050" dir="2700000" algn="tl" rotWithShape="0">
+                    <a:schemeClr val="dk1">
+                      <a:alpha val="40000"/>
+                    </a:schemeClr>
+                  </a:outerShdw>
+                </a:effectLst>
+              </a:rPr>
+              <a:t>celebrate our first year</a:t>
             </a:r>
             <a:br>
-              <a:rPr lang="en-GB" sz="6000" dirty="0">
-                <a:solidFill>
-                  <a:schemeClr val="bg1"/>
-                </a:solidFill>
+              <a:rPr lang="en-US" b="0" cap="none" spc="0" dirty="0">
+                <a:ln w="0"/>
+                <a:solidFill>
+                  <a:schemeClr val="tx1"/>
+                </a:solidFill>
+                <a:effectLst>
+                  <a:outerShdw blurRad="38100" dist="19050" dir="2700000" algn="tl" rotWithShape="0">
+                    <a:schemeClr val="dk1">
+                      <a:alpha val="40000"/>
+                    </a:schemeClr>
+                  </a:outerShdw>
+                </a:effectLst>
               </a:rPr>
             </a:br>
+            <a:r>
+              <a:rPr lang="en-US" b="0" cap="none" spc="0" dirty="0">
+                <a:ln w="0"/>
+                <a:solidFill>
+                  <a:schemeClr val="tx1"/>
+                </a:solidFill>
+                <a:effectLst>
+                  <a:outerShdw blurRad="38100" dist="19050" dir="2700000" algn="tl" rotWithShape="0">
+                    <a:schemeClr val="dk1">
+                      <a:alpha val="40000"/>
+                    </a:schemeClr>
+                  </a:outerShdw>
+                </a:effectLst>
+              </a:rPr>
+              <a:t>anniversary</a:t>
+            </a:r>
             <a:br>
-              <a:rPr lang="en-GB" sz="6000" dirty="0">
-                <a:solidFill>
-                  <a:schemeClr val="bg1"/>
-                </a:solidFill>
+              <a:rPr lang="en-US" b="0" cap="none" spc="0" dirty="0">
+                <a:ln w="0"/>
+                <a:solidFill>
+                  <a:schemeClr val="tx1"/>
+                </a:solidFill>
+                <a:effectLst>
+                  <a:outerShdw blurRad="38100" dist="19050" dir="2700000" algn="tl" rotWithShape="0">
+                    <a:schemeClr val="dk1">
+                      <a:alpha val="40000"/>
+                    </a:schemeClr>
+                  </a:outerShdw>
+                </a:effectLst>
               </a:rPr>
             </a:br>
             <a:r>
-              <a:rPr lang="en-GB" sz="5200" dirty="0">
-                <a:solidFill>
-                  <a:schemeClr val="bg1"/>
-                </a:solidFill>
-              </a:rPr>
-              <a:t>Hoo Are </a:t>
-            </a:r>
-            <a:r>
-              <a:rPr lang="en-GB" sz="5200" dirty="0" err="1">
-                <a:solidFill>
-                  <a:schemeClr val="bg1"/>
-                </a:solidFill>
-              </a:rPr>
-              <a:t>Ya</a:t>
+              <a:rPr lang="en-US" b="0" cap="none" spc="0" dirty="0">
+                <a:ln w="0"/>
+                <a:solidFill>
+                  <a:schemeClr val="tx1"/>
+                </a:solidFill>
+                <a:effectLst>
+                  <a:outerShdw blurRad="38100" dist="19050" dir="2700000" algn="tl" rotWithShape="0">
+                    <a:schemeClr val="dk1">
+                      <a:alpha val="40000"/>
+                    </a:schemeClr>
+                  </a:outerShdw>
+                </a:effectLst>
+              </a:rPr>
+              <a:t> as a community</a:t>
+            </a:r>
+          </a:p>
+        </p:txBody>
+      </p:sp>
+      <p:sp>
+        <p:nvSpPr>
+          <p:cNvPr id="6" name="Rectangle 5">
+            <a:extLst>
+              <a:ext uri="{FF2B5EF4-FFF2-40B4-BE49-F238E27FC236}">
+                <a16:creationId xmlns:a16="http://schemas.microsoft.com/office/drawing/2014/main" id="{3F67EEBE-AAF1-5FE7-7B53-3EA5B356B4E5}"/>
+              </a:ext>
+            </a:extLst>
+          </p:cNvPr>
+          <p:cNvSpPr/>
+          <p:nvPr/>
+        </p:nvSpPr>
+        <p:spPr>
+          <a:xfrm>
+            <a:off x="6391332" y="21575"/>
+            <a:ext cx="2735941" cy="461665"/>
+          </a:xfrm>
+          <a:prstGeom prst="rect">
+            <a:avLst/>
+          </a:prstGeom>
+          <a:noFill/>
+        </p:spPr>
+        <p:txBody>
+          <a:bodyPr wrap="none" lIns="91440" tIns="45720" rIns="91440" bIns="45720">
+            <a:spAutoFit/>
+          </a:bodyPr>
+          <a:lstStyle/>
+          <a:p>
+            <a:pPr algn="ctr"/>
+            <a:r>
+              <a:rPr lang="en-US" sz="2400" b="0" cap="none" spc="0" dirty="0">
+                <a:ln w="0"/>
+                <a:solidFill>
+                  <a:schemeClr val="tx1"/>
+                </a:solidFill>
+                <a:effectLst>
+                  <a:outerShdw blurRad="38100" dist="19050" dir="2700000" algn="tl" rotWithShape="0">
+                    <a:schemeClr val="dk1">
+                      <a:alpha val="40000"/>
+                    </a:schemeClr>
+                  </a:outerShdw>
+                </a:effectLst>
+              </a:rPr>
+              <a:t>Sunday 16</a:t>
+            </a:r>
+            <a:r>
+              <a:rPr lang="en-US" sz="2400" b="0" cap="none" spc="0" baseline="30000" dirty="0">
+                <a:ln w="0"/>
+                <a:solidFill>
+                  <a:schemeClr val="tx1"/>
+                </a:solidFill>
+                <a:effectLst>
+                  <a:outerShdw blurRad="38100" dist="19050" dir="2700000" algn="tl" rotWithShape="0">
+                    <a:schemeClr val="dk1">
+                      <a:alpha val="40000"/>
+                    </a:schemeClr>
+                  </a:outerShdw>
+                </a:effectLst>
+              </a:rPr>
+              <a:t>th</a:t>
+            </a:r>
+            <a:r>
+              <a:rPr lang="en-US" sz="2400" b="0" cap="none" spc="0" dirty="0">
+                <a:ln w="0"/>
+                <a:solidFill>
+                  <a:schemeClr val="tx1"/>
+                </a:solidFill>
+                <a:effectLst>
+                  <a:outerShdw blurRad="38100" dist="19050" dir="2700000" algn="tl" rotWithShape="0">
+                    <a:schemeClr val="dk1">
+                      <a:alpha val="40000"/>
+                    </a:schemeClr>
+                  </a:outerShdw>
+                </a:effectLst>
+              </a:rPr>
+              <a:t> October</a:t>
+            </a:r>
+          </a:p>
+        </p:txBody>
+      </p:sp>
+      <p:pic>
+        <p:nvPicPr>
+          <p:cNvPr id="7" name="Picture 2">
+            <a:extLst>
+              <a:ext uri="{FF2B5EF4-FFF2-40B4-BE49-F238E27FC236}">
+                <a16:creationId xmlns:a16="http://schemas.microsoft.com/office/drawing/2014/main" id="{2D9244DB-8ABC-07D1-C997-3A010C9D1A09}"/>
+              </a:ext>
+            </a:extLst>
+          </p:cNvPr>
+          <p:cNvPicPr>
+            <a:picLocks noChangeAspect="1" noChangeArrowheads="1"/>
+          </p:cNvPicPr>
+          <p:nvPr/>
+        </p:nvPicPr>
+        <p:blipFill>
+          <a:blip r:embed="rId3">
+            <a:extLst>
+              <a:ext uri="{28A0092B-C50C-407E-A947-70E740481C1C}">
+                <a14:useLocalDpi xmlns:a14="http://schemas.microsoft.com/office/drawing/2010/main" val="0"/>
+              </a:ext>
+            </a:extLst>
+          </a:blip>
+          <a:srcRect/>
+          <a:stretch>
+            <a:fillRect/>
+          </a:stretch>
+        </p:blipFill>
+        <p:spPr bwMode="auto">
+          <a:xfrm>
+            <a:off x="-180528" y="-21565"/>
+            <a:ext cx="2752725" cy="2209800"/>
+          </a:xfrm>
+          <a:prstGeom prst="rect">
+            <a:avLst/>
+          </a:prstGeom>
+          <a:noFill/>
+          <a:extLst>
+            <a:ext uri="{909E8E84-426E-40DD-AFC4-6F175D3DCCD1}">
+              <a14:hiddenFill xmlns:a14="http://schemas.microsoft.com/office/drawing/2010/main">
+                <a:solidFill>
+                  <a:srgbClr val="FFFFFF"/>
+                </a:solidFill>
+              </a14:hiddenFill>
+            </a:ext>
+          </a:extLst>
+        </p:spPr>
+      </p:pic>
+      <p:pic>
+        <p:nvPicPr>
+          <p:cNvPr id="8" name="Picture 7">
+            <a:extLst>
+              <a:ext uri="{FF2B5EF4-FFF2-40B4-BE49-F238E27FC236}">
+                <a16:creationId xmlns:a16="http://schemas.microsoft.com/office/drawing/2014/main" id="{68A4A163-92F2-7DC1-C3AD-EE112D266717}"/>
+              </a:ext>
+            </a:extLst>
+          </p:cNvPr>
+          <p:cNvPicPr>
+            <a:picLocks noChangeAspect="1"/>
+          </p:cNvPicPr>
+          <p:nvPr/>
+        </p:nvPicPr>
+        <p:blipFill>
+          <a:blip r:embed="rId4"/>
+          <a:stretch>
+            <a:fillRect/>
+          </a:stretch>
+        </p:blipFill>
+        <p:spPr>
+          <a:xfrm>
+            <a:off x="6724164" y="6312477"/>
+            <a:ext cx="2314898" cy="523948"/>
+          </a:xfrm>
+          <a:prstGeom prst="rect">
+            <a:avLst/>
+          </a:prstGeom>
+        </p:spPr>
+      </p:pic>
+      <p:pic>
+        <p:nvPicPr>
+          <p:cNvPr id="10" name="Picture 9">
+            <a:extLst>
+              <a:ext uri="{FF2B5EF4-FFF2-40B4-BE49-F238E27FC236}">
+                <a16:creationId xmlns:a16="http://schemas.microsoft.com/office/drawing/2014/main" id="{403391E3-F888-A349-D763-8327280C62A8}"/>
+              </a:ext>
+            </a:extLst>
+          </p:cNvPr>
+          <p:cNvPicPr>
+            <a:picLocks noChangeAspect="1"/>
+          </p:cNvPicPr>
+          <p:nvPr/>
+        </p:nvPicPr>
+        <p:blipFill>
+          <a:blip r:embed="rId5"/>
+          <a:stretch>
+            <a:fillRect/>
+          </a:stretch>
+        </p:blipFill>
+        <p:spPr>
+          <a:xfrm>
+            <a:off x="6588224" y="6032478"/>
+            <a:ext cx="2457793" cy="314369"/>
+          </a:xfrm>
+          <a:prstGeom prst="rect">
+            <a:avLst/>
+          </a:prstGeom>
+        </p:spPr>
+      </p:pic>
+      <p:sp>
+        <p:nvSpPr>
+          <p:cNvPr id="11" name="Rectangle 10">
+            <a:extLst>
+              <a:ext uri="{FF2B5EF4-FFF2-40B4-BE49-F238E27FC236}">
+                <a16:creationId xmlns:a16="http://schemas.microsoft.com/office/drawing/2014/main" id="{3E6E6CF5-B297-F0B3-F6E5-899216EBAF90}"/>
+              </a:ext>
+            </a:extLst>
+          </p:cNvPr>
+          <p:cNvSpPr/>
+          <p:nvPr/>
+        </p:nvSpPr>
+        <p:spPr>
+          <a:xfrm>
+            <a:off x="6985005" y="2671752"/>
+            <a:ext cx="1856983" cy="1477328"/>
+          </a:xfrm>
+          <a:prstGeom prst="rect">
+            <a:avLst/>
+          </a:prstGeom>
+          <a:noFill/>
+        </p:spPr>
+        <p:txBody>
+          <a:bodyPr wrap="none" lIns="91440" tIns="45720" rIns="91440" bIns="45720">
+            <a:spAutoFit/>
+          </a:bodyPr>
+          <a:lstStyle/>
+          <a:p>
+            <a:pPr algn="ctr"/>
+            <a:r>
+              <a:rPr lang="en-US" b="0" cap="none" spc="0" dirty="0">
+                <a:ln w="0"/>
+                <a:solidFill>
+                  <a:schemeClr val="tx1"/>
+                </a:solidFill>
+                <a:effectLst>
+                  <a:outerShdw blurRad="38100" dist="19050" dir="2700000" algn="tl" rotWithShape="0">
+                    <a:schemeClr val="dk1">
+                      <a:alpha val="40000"/>
+                    </a:schemeClr>
+                  </a:outerShdw>
+                </a:effectLst>
+              </a:rPr>
+              <a:t>Praise &amp; Worship</a:t>
             </a:r>
             <a:br>
-              <a:rPr lang="en-GB" sz="5200" dirty="0">
-                <a:solidFill>
-                  <a:schemeClr val="bg1"/>
-                </a:solidFill>
+              <a:rPr lang="en-US" b="0" cap="none" spc="0" dirty="0">
+                <a:ln w="0"/>
+                <a:solidFill>
+                  <a:schemeClr val="tx1"/>
+                </a:solidFill>
+                <a:effectLst>
+                  <a:outerShdw blurRad="38100" dist="19050" dir="2700000" algn="tl" rotWithShape="0">
+                    <a:schemeClr val="dk1">
+                      <a:alpha val="40000"/>
+                    </a:schemeClr>
+                  </a:outerShdw>
+                </a:effectLst>
               </a:rPr>
             </a:br>
             <a:r>
-              <a:rPr lang="en-GB" dirty="0">
-                <a:solidFill>
-                  <a:schemeClr val="bg1"/>
-                </a:solidFill>
-              </a:rPr>
-              <a:t>16-10-2022</a:t>
-            </a:r>
-          </a:p>
-        </p:txBody>
-      </p:sp>
+              <a:rPr lang="en-US" b="0" cap="none" spc="0" dirty="0">
+                <a:ln w="0"/>
+                <a:solidFill>
+                  <a:schemeClr val="tx1"/>
+                </a:solidFill>
+                <a:effectLst>
+                  <a:outerShdw blurRad="38100" dist="19050" dir="2700000" algn="tl" rotWithShape="0">
+                    <a:schemeClr val="dk1">
+                      <a:alpha val="40000"/>
+                    </a:schemeClr>
+                  </a:outerShdw>
+                </a:effectLst>
+              </a:rPr>
+              <a:t>Finger food</a:t>
+            </a:r>
+            <a:br>
+              <a:rPr lang="en-US" b="0" cap="none" spc="0" dirty="0">
+                <a:ln w="0"/>
+                <a:solidFill>
+                  <a:schemeClr val="tx1"/>
+                </a:solidFill>
+                <a:effectLst>
+                  <a:outerShdw blurRad="38100" dist="19050" dir="2700000" algn="tl" rotWithShape="0">
+                    <a:schemeClr val="dk1">
+                      <a:alpha val="40000"/>
+                    </a:schemeClr>
+                  </a:outerShdw>
+                </a:effectLst>
+              </a:rPr>
+            </a:br>
+            <a:r>
+              <a:rPr lang="en-US" b="0" cap="none" spc="0" dirty="0">
+                <a:ln w="0"/>
+                <a:solidFill>
+                  <a:schemeClr val="tx1"/>
+                </a:solidFill>
+                <a:effectLst>
+                  <a:outerShdw blurRad="38100" dist="19050" dir="2700000" algn="tl" rotWithShape="0">
+                    <a:schemeClr val="dk1">
+                      <a:alpha val="40000"/>
+                    </a:schemeClr>
+                  </a:outerShdw>
+                </a:effectLst>
+              </a:rPr>
+              <a:t>Testimonies</a:t>
+            </a:r>
+            <a:br>
+              <a:rPr lang="en-US" b="0" cap="none" spc="0" dirty="0">
+                <a:ln w="0"/>
+                <a:solidFill>
+                  <a:schemeClr val="tx1"/>
+                </a:solidFill>
+                <a:effectLst>
+                  <a:outerShdw blurRad="38100" dist="19050" dir="2700000" algn="tl" rotWithShape="0">
+                    <a:schemeClr val="dk1">
+                      <a:alpha val="40000"/>
+                    </a:schemeClr>
+                  </a:outerShdw>
+                </a:effectLst>
+              </a:rPr>
+            </a:br>
+            <a:r>
+              <a:rPr lang="en-US" b="0" cap="none" spc="0" dirty="0">
+                <a:ln w="0"/>
+                <a:solidFill>
+                  <a:schemeClr val="tx1"/>
+                </a:solidFill>
+                <a:effectLst>
+                  <a:outerShdw blurRad="38100" dist="19050" dir="2700000" algn="tl" rotWithShape="0">
+                    <a:schemeClr val="dk1">
+                      <a:alpha val="40000"/>
+                    </a:schemeClr>
+                  </a:outerShdw>
+                </a:effectLst>
+              </a:rPr>
+              <a:t>Answered Prayers</a:t>
+            </a:r>
+            <a:br>
+              <a:rPr lang="en-US" b="0" cap="none" spc="0" dirty="0">
+                <a:ln w="0"/>
+                <a:solidFill>
+                  <a:schemeClr val="tx1"/>
+                </a:solidFill>
+                <a:effectLst>
+                  <a:outerShdw blurRad="38100" dist="19050" dir="2700000" algn="tl" rotWithShape="0">
+                    <a:schemeClr val="dk1">
+                      <a:alpha val="40000"/>
+                    </a:schemeClr>
+                  </a:outerShdw>
+                </a:effectLst>
+              </a:rPr>
+            </a:br>
+            <a:r>
+              <a:rPr lang="en-US" b="0" cap="none" spc="0" dirty="0">
+                <a:ln w="0"/>
+                <a:solidFill>
+                  <a:schemeClr val="tx1"/>
+                </a:solidFill>
+                <a:effectLst>
+                  <a:outerShdw blurRad="38100" dist="19050" dir="2700000" algn="tl" rotWithShape="0">
+                    <a:schemeClr val="dk1">
+                      <a:alpha val="40000"/>
+                    </a:schemeClr>
+                  </a:outerShdw>
+                </a:effectLst>
+              </a:rPr>
+              <a:t>Anniversary Cake</a:t>
+            </a:r>
+          </a:p>
+        </p:txBody>
+      </p:sp>
+      <p:pic>
+        <p:nvPicPr>
+          <p:cNvPr id="13" name="Picture 12">
+            <a:extLst>
+              <a:ext uri="{FF2B5EF4-FFF2-40B4-BE49-F238E27FC236}">
+                <a16:creationId xmlns:a16="http://schemas.microsoft.com/office/drawing/2014/main" id="{1E789242-A652-B5C4-99FE-13FEF69187CD}"/>
+              </a:ext>
+            </a:extLst>
+          </p:cNvPr>
+          <p:cNvPicPr>
+            <a:picLocks noChangeAspect="1"/>
+          </p:cNvPicPr>
+          <p:nvPr/>
+        </p:nvPicPr>
+        <p:blipFill>
+          <a:blip r:embed="rId6"/>
+          <a:stretch>
+            <a:fillRect/>
+          </a:stretch>
+        </p:blipFill>
+        <p:spPr>
+          <a:xfrm>
+            <a:off x="6639855" y="4839103"/>
+            <a:ext cx="2468649" cy="1193375"/>
+          </a:xfrm>
+          <a:prstGeom prst="rect">
+            <a:avLst/>
+          </a:prstGeom>
+        </p:spPr>
+      </p:pic>
     </p:spTree>
     <p:extLst>
       <p:ext uri="{BB962C8B-B14F-4D97-AF65-F5344CB8AC3E}">
-        <p14:creationId xmlns:p14="http://schemas.microsoft.com/office/powerpoint/2010/main" val="1099612992"/>
+        <p14:creationId xmlns:p14="http://schemas.microsoft.com/office/powerpoint/2010/main" val="1802450984"/>
       </p:ext>
     </p:extLst>
   </p:cSld>
